--- a/ppt.pptx
+++ b/ppt.pptx
@@ -6,6 +6,8 @@
   </p:sldMasterIdLst>
   <p:sldIdLst>
     <p:sldId id="256" r:id="rId2"/>
+    <p:sldId id="257" r:id="rId3"/>
+    <p:sldId id="258" r:id="rId4"/>
   </p:sldIdLst>
   <p:sldSz cx="12192000" cy="6858000"/>
   <p:notesSz cx="6858000" cy="9144000"/>
@@ -104,6 +106,11 @@
       </a:defRPr>
     </a:lvl9pPr>
   </p:defaultTextStyle>
+  <p:extLst>
+    <p:ext uri="{EFAFB233-063F-42B5-8137-9DF3F51BA10A}">
+      <p15:sldGuideLst xmlns:p15="http://schemas.microsoft.com/office/powerpoint/2012/main"/>
+    </p:ext>
+  </p:extLst>
 </p:presentation>
 </file>
 
@@ -254,7 +261,7 @@
           <a:p>
             <a:fld id="{236CA696-92B5-4293-83D1-154393A7E7AB}" type="datetimeFigureOut">
               <a:rPr lang="ko-KR" altLang="en-US" smtClean="0"/>
-              <a:t>2022-05-27</a:t>
+              <a:t>2022-06-08</a:t>
             </a:fld>
             <a:endParaRPr lang="ko-KR" altLang="en-US"/>
           </a:p>
@@ -452,7 +459,7 @@
           <a:p>
             <a:fld id="{236CA696-92B5-4293-83D1-154393A7E7AB}" type="datetimeFigureOut">
               <a:rPr lang="ko-KR" altLang="en-US" smtClean="0"/>
-              <a:t>2022-05-27</a:t>
+              <a:t>2022-06-08</a:t>
             </a:fld>
             <a:endParaRPr lang="ko-KR" altLang="en-US"/>
           </a:p>
@@ -660,7 +667,7 @@
           <a:p>
             <a:fld id="{236CA696-92B5-4293-83D1-154393A7E7AB}" type="datetimeFigureOut">
               <a:rPr lang="ko-KR" altLang="en-US" smtClean="0"/>
-              <a:t>2022-05-27</a:t>
+              <a:t>2022-06-08</a:t>
             </a:fld>
             <a:endParaRPr lang="ko-KR" altLang="en-US"/>
           </a:p>
@@ -858,7 +865,7 @@
           <a:p>
             <a:fld id="{236CA696-92B5-4293-83D1-154393A7E7AB}" type="datetimeFigureOut">
               <a:rPr lang="ko-KR" altLang="en-US" smtClean="0"/>
-              <a:t>2022-05-27</a:t>
+              <a:t>2022-06-08</a:t>
             </a:fld>
             <a:endParaRPr lang="ko-KR" altLang="en-US"/>
           </a:p>
@@ -1133,7 +1140,7 @@
           <a:p>
             <a:fld id="{236CA696-92B5-4293-83D1-154393A7E7AB}" type="datetimeFigureOut">
               <a:rPr lang="ko-KR" altLang="en-US" smtClean="0"/>
-              <a:t>2022-05-27</a:t>
+              <a:t>2022-06-08</a:t>
             </a:fld>
             <a:endParaRPr lang="ko-KR" altLang="en-US"/>
           </a:p>
@@ -1398,7 +1405,7 @@
           <a:p>
             <a:fld id="{236CA696-92B5-4293-83D1-154393A7E7AB}" type="datetimeFigureOut">
               <a:rPr lang="ko-KR" altLang="en-US" smtClean="0"/>
-              <a:t>2022-05-27</a:t>
+              <a:t>2022-06-08</a:t>
             </a:fld>
             <a:endParaRPr lang="ko-KR" altLang="en-US"/>
           </a:p>
@@ -1810,7 +1817,7 @@
           <a:p>
             <a:fld id="{236CA696-92B5-4293-83D1-154393A7E7AB}" type="datetimeFigureOut">
               <a:rPr lang="ko-KR" altLang="en-US" smtClean="0"/>
-              <a:t>2022-05-27</a:t>
+              <a:t>2022-06-08</a:t>
             </a:fld>
             <a:endParaRPr lang="ko-KR" altLang="en-US"/>
           </a:p>
@@ -1951,7 +1958,7 @@
           <a:p>
             <a:fld id="{236CA696-92B5-4293-83D1-154393A7E7AB}" type="datetimeFigureOut">
               <a:rPr lang="ko-KR" altLang="en-US" smtClean="0"/>
-              <a:t>2022-05-27</a:t>
+              <a:t>2022-06-08</a:t>
             </a:fld>
             <a:endParaRPr lang="ko-KR" altLang="en-US"/>
           </a:p>
@@ -2064,7 +2071,7 @@
           <a:p>
             <a:fld id="{236CA696-92B5-4293-83D1-154393A7E7AB}" type="datetimeFigureOut">
               <a:rPr lang="ko-KR" altLang="en-US" smtClean="0"/>
-              <a:t>2022-05-27</a:t>
+              <a:t>2022-06-08</a:t>
             </a:fld>
             <a:endParaRPr lang="ko-KR" altLang="en-US"/>
           </a:p>
@@ -2375,7 +2382,7 @@
           <a:p>
             <a:fld id="{236CA696-92B5-4293-83D1-154393A7E7AB}" type="datetimeFigureOut">
               <a:rPr lang="ko-KR" altLang="en-US" smtClean="0"/>
-              <a:t>2022-05-27</a:t>
+              <a:t>2022-06-08</a:t>
             </a:fld>
             <a:endParaRPr lang="ko-KR" altLang="en-US"/>
           </a:p>
@@ -2663,7 +2670,7 @@
           <a:p>
             <a:fld id="{236CA696-92B5-4293-83D1-154393A7E7AB}" type="datetimeFigureOut">
               <a:rPr lang="ko-KR" altLang="en-US" smtClean="0"/>
-              <a:t>2022-05-27</a:t>
+              <a:t>2022-06-08</a:t>
             </a:fld>
             <a:endParaRPr lang="ko-KR" altLang="en-US"/>
           </a:p>
@@ -2904,7 +2911,7 @@
           <a:p>
             <a:fld id="{236CA696-92B5-4293-83D1-154393A7E7AB}" type="datetimeFigureOut">
               <a:rPr lang="ko-KR" altLang="en-US" smtClean="0"/>
-              <a:t>2022-05-27</a:t>
+              <a:t>2022-06-08</a:t>
             </a:fld>
             <a:endParaRPr lang="ko-KR" altLang="en-US"/>
           </a:p>
@@ -3900,6 +3907,1771 @@
 </p:sld>
 </file>
 
+<file path=ppt/slides/slide2.xml><?xml version="1.0" encoding="utf-8"?>
+<p:sld xmlns:a="http://schemas.openxmlformats.org/drawingml/2006/main" xmlns:r="http://schemas.openxmlformats.org/officeDocument/2006/relationships" xmlns:p="http://schemas.openxmlformats.org/presentationml/2006/main">
+  <p:cSld>
+    <p:spTree>
+      <p:nvGrpSpPr>
+        <p:cNvPr id="1" name=""/>
+        <p:cNvGrpSpPr/>
+        <p:nvPr/>
+      </p:nvGrpSpPr>
+      <p:grpSpPr>
+        <a:xfrm>
+          <a:off x="0" y="0"/>
+          <a:ext cx="0" cy="0"/>
+          <a:chOff x="0" y="0"/>
+          <a:chExt cx="0" cy="0"/>
+        </a:xfrm>
+      </p:grpSpPr>
+      <p:sp>
+        <p:nvSpPr>
+          <p:cNvPr id="101" name="타원 100">
+            <a:extLst>
+              <a:ext uri="{FF2B5EF4-FFF2-40B4-BE49-F238E27FC236}">
+                <a16:creationId xmlns:a16="http://schemas.microsoft.com/office/drawing/2014/main" id="{E7DB1B99-EF4E-53A4-B512-74FCC37831DF}"/>
+              </a:ext>
+            </a:extLst>
+          </p:cNvPr>
+          <p:cNvSpPr/>
+          <p:nvPr/>
+        </p:nvSpPr>
+        <p:spPr>
+          <a:xfrm>
+            <a:off x="1961461" y="4589420"/>
+            <a:ext cx="841747" cy="541234"/>
+          </a:xfrm>
+          <a:prstGeom prst="ellipse">
+            <a:avLst/>
+          </a:prstGeom>
+        </p:spPr>
+        <p:style>
+          <a:lnRef idx="3">
+            <a:schemeClr val="lt1"/>
+          </a:lnRef>
+          <a:fillRef idx="1">
+            <a:schemeClr val="accent6"/>
+          </a:fillRef>
+          <a:effectRef idx="1">
+            <a:schemeClr val="accent6"/>
+          </a:effectRef>
+          <a:fontRef idx="minor">
+            <a:schemeClr val="lt1"/>
+          </a:fontRef>
+        </p:style>
+        <p:txBody>
+          <a:bodyPr rtlCol="0" anchor="ctr"/>
+          <a:lstStyle/>
+          <a:p>
+            <a:pPr algn="ctr"/>
+            <a:r>
+              <a:rPr lang="ko-KR" altLang="en-US" sz="1600" dirty="0"/>
+              <a:t>고객</a:t>
+            </a:r>
+          </a:p>
+        </p:txBody>
+      </p:sp>
+      <p:sp>
+        <p:nvSpPr>
+          <p:cNvPr id="10" name="TextBox 9">
+            <a:extLst>
+              <a:ext uri="{FF2B5EF4-FFF2-40B4-BE49-F238E27FC236}">
+                <a16:creationId xmlns:a16="http://schemas.microsoft.com/office/drawing/2014/main" id="{8924B80D-F244-EF29-48E4-7C264478E966}"/>
+              </a:ext>
+            </a:extLst>
+          </p:cNvPr>
+          <p:cNvSpPr txBox="1"/>
+          <p:nvPr/>
+        </p:nvSpPr>
+        <p:spPr>
+          <a:xfrm>
+            <a:off x="6879140" y="2740365"/>
+            <a:ext cx="502285" cy="369332"/>
+          </a:xfrm>
+          <a:prstGeom prst="rect">
+            <a:avLst/>
+          </a:prstGeom>
+          <a:noFill/>
+        </p:spPr>
+        <p:txBody>
+          <a:bodyPr wrap="square" rtlCol="0">
+            <a:spAutoFit/>
+          </a:bodyPr>
+          <a:lstStyle/>
+          <a:p>
+            <a:pPr algn="ctr"/>
+            <a:r>
+              <a:rPr lang="en-US" altLang="ko-KR" dirty="0"/>
+              <a:t>…</a:t>
+            </a:r>
+            <a:endParaRPr lang="ko-KR" altLang="en-US" dirty="0"/>
+          </a:p>
+        </p:txBody>
+      </p:sp>
+      <p:cxnSp>
+        <p:nvCxnSpPr>
+          <p:cNvPr id="19" name="직선 화살표 연결선 18">
+            <a:extLst>
+              <a:ext uri="{FF2B5EF4-FFF2-40B4-BE49-F238E27FC236}">
+                <a16:creationId xmlns:a16="http://schemas.microsoft.com/office/drawing/2014/main" id="{53552C6E-0C49-3F75-225F-29027CEA1639}"/>
+              </a:ext>
+            </a:extLst>
+          </p:cNvPr>
+          <p:cNvCxnSpPr>
+            <a:cxnSpLocks/>
+          </p:cNvCxnSpPr>
+          <p:nvPr/>
+        </p:nvCxnSpPr>
+        <p:spPr>
+          <a:xfrm flipV="1">
+            <a:off x="2382335" y="3371806"/>
+            <a:ext cx="0" cy="1105096"/>
+          </a:xfrm>
+          <a:prstGeom prst="straightConnector1">
+            <a:avLst/>
+          </a:prstGeom>
+          <a:ln>
+            <a:tailEnd type="triangle"/>
+          </a:ln>
+        </p:spPr>
+        <p:style>
+          <a:lnRef idx="1">
+            <a:schemeClr val="accent1"/>
+          </a:lnRef>
+          <a:fillRef idx="0">
+            <a:schemeClr val="accent1"/>
+          </a:fillRef>
+          <a:effectRef idx="0">
+            <a:schemeClr val="accent1"/>
+          </a:effectRef>
+          <a:fontRef idx="minor">
+            <a:schemeClr val="tx1"/>
+          </a:fontRef>
+        </p:style>
+      </p:cxnSp>
+      <p:cxnSp>
+        <p:nvCxnSpPr>
+          <p:cNvPr id="21" name="직선 화살표 연결선 20">
+            <a:extLst>
+              <a:ext uri="{FF2B5EF4-FFF2-40B4-BE49-F238E27FC236}">
+                <a16:creationId xmlns:a16="http://schemas.microsoft.com/office/drawing/2014/main" id="{4BF1D603-0EBC-B9EA-C7FB-9779C8060D81}"/>
+              </a:ext>
+            </a:extLst>
+          </p:cNvPr>
+          <p:cNvCxnSpPr>
+            <a:cxnSpLocks/>
+          </p:cNvCxnSpPr>
+          <p:nvPr/>
+        </p:nvCxnSpPr>
+        <p:spPr>
+          <a:xfrm flipV="1">
+            <a:off x="2528153" y="1609344"/>
+            <a:ext cx="800199" cy="942007"/>
+          </a:xfrm>
+          <a:prstGeom prst="straightConnector1">
+            <a:avLst/>
+          </a:prstGeom>
+          <a:ln>
+            <a:tailEnd type="triangle"/>
+          </a:ln>
+        </p:spPr>
+        <p:style>
+          <a:lnRef idx="1">
+            <a:schemeClr val="accent1"/>
+          </a:lnRef>
+          <a:fillRef idx="0">
+            <a:schemeClr val="accent1"/>
+          </a:fillRef>
+          <a:effectRef idx="0">
+            <a:schemeClr val="accent1"/>
+          </a:effectRef>
+          <a:fontRef idx="minor">
+            <a:schemeClr val="tx1"/>
+          </a:fontRef>
+        </p:style>
+      </p:cxnSp>
+      <p:cxnSp>
+        <p:nvCxnSpPr>
+          <p:cNvPr id="33" name="직선 화살표 연결선 32">
+            <a:extLst>
+              <a:ext uri="{FF2B5EF4-FFF2-40B4-BE49-F238E27FC236}">
+                <a16:creationId xmlns:a16="http://schemas.microsoft.com/office/drawing/2014/main" id="{6E6CF226-A8D8-58DC-4721-C6C92C7EAC8F}"/>
+              </a:ext>
+            </a:extLst>
+          </p:cNvPr>
+          <p:cNvCxnSpPr>
+            <a:cxnSpLocks/>
+          </p:cNvCxnSpPr>
+          <p:nvPr/>
+        </p:nvCxnSpPr>
+        <p:spPr>
+          <a:xfrm>
+            <a:off x="1319391" y="4877570"/>
+            <a:ext cx="416613" cy="0"/>
+          </a:xfrm>
+          <a:prstGeom prst="straightConnector1">
+            <a:avLst/>
+          </a:prstGeom>
+          <a:ln>
+            <a:tailEnd type="triangle"/>
+          </a:ln>
+        </p:spPr>
+        <p:style>
+          <a:lnRef idx="1">
+            <a:schemeClr val="accent1"/>
+          </a:lnRef>
+          <a:fillRef idx="0">
+            <a:schemeClr val="accent1"/>
+          </a:fillRef>
+          <a:effectRef idx="0">
+            <a:schemeClr val="accent1"/>
+          </a:effectRef>
+          <a:fontRef idx="minor">
+            <a:schemeClr val="tx1"/>
+          </a:fontRef>
+        </p:style>
+      </p:cxnSp>
+      <p:cxnSp>
+        <p:nvCxnSpPr>
+          <p:cNvPr id="35" name="직선 연결선 34">
+            <a:extLst>
+              <a:ext uri="{FF2B5EF4-FFF2-40B4-BE49-F238E27FC236}">
+                <a16:creationId xmlns:a16="http://schemas.microsoft.com/office/drawing/2014/main" id="{853D06A1-91D5-EB52-046C-A01CC94FFA68}"/>
+              </a:ext>
+            </a:extLst>
+          </p:cNvPr>
+          <p:cNvCxnSpPr/>
+          <p:nvPr/>
+        </p:nvCxnSpPr>
+        <p:spPr>
+          <a:xfrm flipV="1">
+            <a:off x="1319391" y="1227344"/>
+            <a:ext cx="0" cy="3597481"/>
+          </a:xfrm>
+          <a:prstGeom prst="line">
+            <a:avLst/>
+          </a:prstGeom>
+        </p:spPr>
+        <p:style>
+          <a:lnRef idx="1">
+            <a:schemeClr val="accent1"/>
+          </a:lnRef>
+          <a:fillRef idx="0">
+            <a:schemeClr val="accent1"/>
+          </a:fillRef>
+          <a:effectRef idx="0">
+            <a:schemeClr val="accent1"/>
+          </a:effectRef>
+          <a:fontRef idx="minor">
+            <a:schemeClr val="tx1"/>
+          </a:fontRef>
+        </p:style>
+      </p:cxnSp>
+      <p:cxnSp>
+        <p:nvCxnSpPr>
+          <p:cNvPr id="37" name="직선 연결선 36">
+            <a:extLst>
+              <a:ext uri="{FF2B5EF4-FFF2-40B4-BE49-F238E27FC236}">
+                <a16:creationId xmlns:a16="http://schemas.microsoft.com/office/drawing/2014/main" id="{ABD515FE-855C-2288-FF93-AFA89FA1066E}"/>
+              </a:ext>
+            </a:extLst>
+          </p:cNvPr>
+          <p:cNvCxnSpPr>
+            <a:cxnSpLocks/>
+          </p:cNvCxnSpPr>
+          <p:nvPr/>
+        </p:nvCxnSpPr>
+        <p:spPr>
+          <a:xfrm>
+            <a:off x="1319391" y="1227344"/>
+            <a:ext cx="1935873" cy="0"/>
+          </a:xfrm>
+          <a:prstGeom prst="line">
+            <a:avLst/>
+          </a:prstGeom>
+        </p:spPr>
+        <p:style>
+          <a:lnRef idx="1">
+            <a:schemeClr val="accent1"/>
+          </a:lnRef>
+          <a:fillRef idx="0">
+            <a:schemeClr val="accent1"/>
+          </a:fillRef>
+          <a:effectRef idx="0">
+            <a:schemeClr val="accent1"/>
+          </a:effectRef>
+          <a:fontRef idx="minor">
+            <a:schemeClr val="tx1"/>
+          </a:fontRef>
+        </p:style>
+      </p:cxnSp>
+      <p:sp>
+        <p:nvSpPr>
+          <p:cNvPr id="38" name="TextBox 37">
+            <a:extLst>
+              <a:ext uri="{FF2B5EF4-FFF2-40B4-BE49-F238E27FC236}">
+                <a16:creationId xmlns:a16="http://schemas.microsoft.com/office/drawing/2014/main" id="{E6F617B6-81FC-5B05-F7C3-871D9A3A0315}"/>
+              </a:ext>
+            </a:extLst>
+          </p:cNvPr>
+          <p:cNvSpPr txBox="1"/>
+          <p:nvPr/>
+        </p:nvSpPr>
+        <p:spPr>
+          <a:xfrm>
+            <a:off x="2479629" y="3810310"/>
+            <a:ext cx="646331" cy="369332"/>
+          </a:xfrm>
+          <a:prstGeom prst="rect">
+            <a:avLst/>
+          </a:prstGeom>
+          <a:noFill/>
+        </p:spPr>
+        <p:txBody>
+          <a:bodyPr wrap="none" rtlCol="0">
+            <a:spAutoFit/>
+          </a:bodyPr>
+          <a:lstStyle/>
+          <a:p>
+            <a:r>
+              <a:rPr lang="ko-KR" altLang="en-US" dirty="0"/>
+              <a:t>주문</a:t>
+            </a:r>
+          </a:p>
+        </p:txBody>
+      </p:sp>
+      <p:sp>
+        <p:nvSpPr>
+          <p:cNvPr id="39" name="TextBox 38">
+            <a:extLst>
+              <a:ext uri="{FF2B5EF4-FFF2-40B4-BE49-F238E27FC236}">
+                <a16:creationId xmlns:a16="http://schemas.microsoft.com/office/drawing/2014/main" id="{58B7188D-87E1-57D8-F75D-50C02668227C}"/>
+              </a:ext>
+            </a:extLst>
+          </p:cNvPr>
+          <p:cNvSpPr txBox="1"/>
+          <p:nvPr/>
+        </p:nvSpPr>
+        <p:spPr>
+          <a:xfrm>
+            <a:off x="2202040" y="1856211"/>
+            <a:ext cx="646331" cy="369332"/>
+          </a:xfrm>
+          <a:prstGeom prst="rect">
+            <a:avLst/>
+          </a:prstGeom>
+          <a:noFill/>
+        </p:spPr>
+        <p:txBody>
+          <a:bodyPr wrap="none" rtlCol="0">
+            <a:spAutoFit/>
+          </a:bodyPr>
+          <a:lstStyle/>
+          <a:p>
+            <a:r>
+              <a:rPr lang="ko-KR" altLang="en-US" dirty="0"/>
+              <a:t>주문</a:t>
+            </a:r>
+          </a:p>
+        </p:txBody>
+      </p:sp>
+      <p:sp>
+        <p:nvSpPr>
+          <p:cNvPr id="40" name="TextBox 39">
+            <a:extLst>
+              <a:ext uri="{FF2B5EF4-FFF2-40B4-BE49-F238E27FC236}">
+                <a16:creationId xmlns:a16="http://schemas.microsoft.com/office/drawing/2014/main" id="{B567DFBA-354D-53EE-D8EB-1193F38DF942}"/>
+              </a:ext>
+            </a:extLst>
+          </p:cNvPr>
+          <p:cNvSpPr txBox="1"/>
+          <p:nvPr/>
+        </p:nvSpPr>
+        <p:spPr>
+          <a:xfrm>
+            <a:off x="681360" y="2941183"/>
+            <a:ext cx="646331" cy="369332"/>
+          </a:xfrm>
+          <a:prstGeom prst="rect">
+            <a:avLst/>
+          </a:prstGeom>
+          <a:noFill/>
+        </p:spPr>
+        <p:txBody>
+          <a:bodyPr wrap="none" rtlCol="0">
+            <a:spAutoFit/>
+          </a:bodyPr>
+          <a:lstStyle/>
+          <a:p>
+            <a:r>
+              <a:rPr lang="ko-KR" altLang="en-US" dirty="0"/>
+              <a:t>배송</a:t>
+            </a:r>
+          </a:p>
+        </p:txBody>
+      </p:sp>
+      <p:cxnSp>
+        <p:nvCxnSpPr>
+          <p:cNvPr id="42" name="직선 화살표 연결선 41">
+            <a:extLst>
+              <a:ext uri="{FF2B5EF4-FFF2-40B4-BE49-F238E27FC236}">
+                <a16:creationId xmlns:a16="http://schemas.microsoft.com/office/drawing/2014/main" id="{DDB6EBD7-9B50-ED45-A6E9-35D8F59DDBB8}"/>
+              </a:ext>
+            </a:extLst>
+          </p:cNvPr>
+          <p:cNvCxnSpPr>
+            <a:cxnSpLocks/>
+          </p:cNvCxnSpPr>
+          <p:nvPr/>
+        </p:nvCxnSpPr>
+        <p:spPr>
+          <a:xfrm>
+            <a:off x="5704184" y="3371806"/>
+            <a:ext cx="0" cy="1105096"/>
+          </a:xfrm>
+          <a:prstGeom prst="straightConnector1">
+            <a:avLst/>
+          </a:prstGeom>
+          <a:ln>
+            <a:tailEnd type="triangle"/>
+          </a:ln>
+        </p:spPr>
+        <p:style>
+          <a:lnRef idx="1">
+            <a:schemeClr val="accent1"/>
+          </a:lnRef>
+          <a:fillRef idx="0">
+            <a:schemeClr val="accent1"/>
+          </a:fillRef>
+          <a:effectRef idx="0">
+            <a:schemeClr val="accent1"/>
+          </a:effectRef>
+          <a:fontRef idx="minor">
+            <a:schemeClr val="tx1"/>
+          </a:fontRef>
+        </p:style>
+      </p:cxnSp>
+      <p:cxnSp>
+        <p:nvCxnSpPr>
+          <p:cNvPr id="44" name="직선 화살표 연결선 43">
+            <a:extLst>
+              <a:ext uri="{FF2B5EF4-FFF2-40B4-BE49-F238E27FC236}">
+                <a16:creationId xmlns:a16="http://schemas.microsoft.com/office/drawing/2014/main" id="{998A6B57-C952-15BE-0D80-D767ECAC6A38}"/>
+              </a:ext>
+            </a:extLst>
+          </p:cNvPr>
+          <p:cNvCxnSpPr>
+            <a:cxnSpLocks/>
+          </p:cNvCxnSpPr>
+          <p:nvPr/>
+        </p:nvCxnSpPr>
+        <p:spPr>
+          <a:xfrm>
+            <a:off x="4799800" y="1542529"/>
+            <a:ext cx="921567" cy="1008822"/>
+          </a:xfrm>
+          <a:prstGeom prst="straightConnector1">
+            <a:avLst/>
+          </a:prstGeom>
+          <a:ln>
+            <a:tailEnd type="triangle"/>
+          </a:ln>
+        </p:spPr>
+        <p:style>
+          <a:lnRef idx="1">
+            <a:schemeClr val="accent1"/>
+          </a:lnRef>
+          <a:fillRef idx="0">
+            <a:schemeClr val="accent1"/>
+          </a:fillRef>
+          <a:effectRef idx="0">
+            <a:schemeClr val="accent1"/>
+          </a:effectRef>
+          <a:fontRef idx="minor">
+            <a:schemeClr val="tx1"/>
+          </a:fontRef>
+        </p:style>
+      </p:cxnSp>
+      <p:sp>
+        <p:nvSpPr>
+          <p:cNvPr id="45" name="TextBox 44">
+            <a:extLst>
+              <a:ext uri="{FF2B5EF4-FFF2-40B4-BE49-F238E27FC236}">
+                <a16:creationId xmlns:a16="http://schemas.microsoft.com/office/drawing/2014/main" id="{DE719566-9C31-4C2C-CAE9-BC5C502AACA9}"/>
+              </a:ext>
+            </a:extLst>
+          </p:cNvPr>
+          <p:cNvSpPr txBox="1"/>
+          <p:nvPr/>
+        </p:nvSpPr>
+        <p:spPr>
+          <a:xfrm>
+            <a:off x="5428604" y="1846559"/>
+            <a:ext cx="646331" cy="369332"/>
+          </a:xfrm>
+          <a:prstGeom prst="rect">
+            <a:avLst/>
+          </a:prstGeom>
+          <a:noFill/>
+        </p:spPr>
+        <p:txBody>
+          <a:bodyPr wrap="none" rtlCol="0">
+            <a:spAutoFit/>
+          </a:bodyPr>
+          <a:lstStyle/>
+          <a:p>
+            <a:r>
+              <a:rPr lang="ko-KR" altLang="en-US" dirty="0"/>
+              <a:t>판매</a:t>
+            </a:r>
+          </a:p>
+        </p:txBody>
+      </p:sp>
+      <p:sp>
+        <p:nvSpPr>
+          <p:cNvPr id="46" name="TextBox 45">
+            <a:extLst>
+              <a:ext uri="{FF2B5EF4-FFF2-40B4-BE49-F238E27FC236}">
+                <a16:creationId xmlns:a16="http://schemas.microsoft.com/office/drawing/2014/main" id="{BF2D2032-7726-988F-970C-2AA62E0E0D0C}"/>
+              </a:ext>
+            </a:extLst>
+          </p:cNvPr>
+          <p:cNvSpPr txBox="1"/>
+          <p:nvPr/>
+        </p:nvSpPr>
+        <p:spPr>
+          <a:xfrm>
+            <a:off x="5840205" y="3799213"/>
+            <a:ext cx="646331" cy="369332"/>
+          </a:xfrm>
+          <a:prstGeom prst="rect">
+            <a:avLst/>
+          </a:prstGeom>
+          <a:noFill/>
+        </p:spPr>
+        <p:txBody>
+          <a:bodyPr wrap="none" rtlCol="0">
+            <a:spAutoFit/>
+          </a:bodyPr>
+          <a:lstStyle/>
+          <a:p>
+            <a:r>
+              <a:rPr lang="ko-KR" altLang="en-US" dirty="0"/>
+              <a:t>판매</a:t>
+            </a:r>
+          </a:p>
+        </p:txBody>
+      </p:sp>
+      <p:cxnSp>
+        <p:nvCxnSpPr>
+          <p:cNvPr id="50" name="직선 연결선 49">
+            <a:extLst>
+              <a:ext uri="{FF2B5EF4-FFF2-40B4-BE49-F238E27FC236}">
+                <a16:creationId xmlns:a16="http://schemas.microsoft.com/office/drawing/2014/main" id="{231FFD2B-E7C0-3D24-C62D-4208082D1BEC}"/>
+              </a:ext>
+            </a:extLst>
+          </p:cNvPr>
+          <p:cNvCxnSpPr>
+            <a:cxnSpLocks/>
+          </p:cNvCxnSpPr>
+          <p:nvPr/>
+        </p:nvCxnSpPr>
+        <p:spPr>
+          <a:xfrm>
+            <a:off x="7059168" y="1227344"/>
+            <a:ext cx="829021" cy="0"/>
+          </a:xfrm>
+          <a:prstGeom prst="line">
+            <a:avLst/>
+          </a:prstGeom>
+        </p:spPr>
+        <p:style>
+          <a:lnRef idx="1">
+            <a:schemeClr val="accent1"/>
+          </a:lnRef>
+          <a:fillRef idx="0">
+            <a:schemeClr val="accent1"/>
+          </a:fillRef>
+          <a:effectRef idx="0">
+            <a:schemeClr val="accent1"/>
+          </a:effectRef>
+          <a:fontRef idx="minor">
+            <a:schemeClr val="tx1"/>
+          </a:fontRef>
+        </p:style>
+      </p:cxnSp>
+      <p:cxnSp>
+        <p:nvCxnSpPr>
+          <p:cNvPr id="52" name="직선 연결선 51">
+            <a:extLst>
+              <a:ext uri="{FF2B5EF4-FFF2-40B4-BE49-F238E27FC236}">
+                <a16:creationId xmlns:a16="http://schemas.microsoft.com/office/drawing/2014/main" id="{4DB8ABA5-0AE3-C7A0-C000-6AF086E89AFB}"/>
+              </a:ext>
+            </a:extLst>
+          </p:cNvPr>
+          <p:cNvCxnSpPr>
+            <a:cxnSpLocks/>
+          </p:cNvCxnSpPr>
+          <p:nvPr/>
+        </p:nvCxnSpPr>
+        <p:spPr>
+          <a:xfrm>
+            <a:off x="7888189" y="1227344"/>
+            <a:ext cx="0" cy="3597481"/>
+          </a:xfrm>
+          <a:prstGeom prst="line">
+            <a:avLst/>
+          </a:prstGeom>
+        </p:spPr>
+        <p:style>
+          <a:lnRef idx="1">
+            <a:schemeClr val="accent1"/>
+          </a:lnRef>
+          <a:fillRef idx="0">
+            <a:schemeClr val="accent1"/>
+          </a:fillRef>
+          <a:effectRef idx="0">
+            <a:schemeClr val="accent1"/>
+          </a:effectRef>
+          <a:fontRef idx="minor">
+            <a:schemeClr val="tx1"/>
+          </a:fontRef>
+        </p:style>
+      </p:cxnSp>
+      <p:cxnSp>
+        <p:nvCxnSpPr>
+          <p:cNvPr id="54" name="직선 화살표 연결선 53">
+            <a:extLst>
+              <a:ext uri="{FF2B5EF4-FFF2-40B4-BE49-F238E27FC236}">
+                <a16:creationId xmlns:a16="http://schemas.microsoft.com/office/drawing/2014/main" id="{71CBE5A7-3627-5DE1-0A35-4D25EEF3AD90}"/>
+              </a:ext>
+            </a:extLst>
+          </p:cNvPr>
+          <p:cNvCxnSpPr>
+            <a:cxnSpLocks/>
+          </p:cNvCxnSpPr>
+          <p:nvPr/>
+        </p:nvCxnSpPr>
+        <p:spPr>
+          <a:xfrm flipH="1">
+            <a:off x="7563917" y="4824825"/>
+            <a:ext cx="324272" cy="0"/>
+          </a:xfrm>
+          <a:prstGeom prst="straightConnector1">
+            <a:avLst/>
+          </a:prstGeom>
+          <a:ln>
+            <a:tailEnd type="triangle"/>
+          </a:ln>
+        </p:spPr>
+        <p:style>
+          <a:lnRef idx="1">
+            <a:schemeClr val="accent1"/>
+          </a:lnRef>
+          <a:fillRef idx="0">
+            <a:schemeClr val="accent1"/>
+          </a:fillRef>
+          <a:effectRef idx="0">
+            <a:schemeClr val="accent1"/>
+          </a:effectRef>
+          <a:fontRef idx="minor">
+            <a:schemeClr val="tx1"/>
+          </a:fontRef>
+        </p:style>
+      </p:cxnSp>
+      <p:sp>
+        <p:nvSpPr>
+          <p:cNvPr id="55" name="TextBox 54">
+            <a:extLst>
+              <a:ext uri="{FF2B5EF4-FFF2-40B4-BE49-F238E27FC236}">
+                <a16:creationId xmlns:a16="http://schemas.microsoft.com/office/drawing/2014/main" id="{B336D121-FF1D-4CF0-62DE-096B93B1DDBB}"/>
+              </a:ext>
+            </a:extLst>
+          </p:cNvPr>
+          <p:cNvSpPr txBox="1"/>
+          <p:nvPr/>
+        </p:nvSpPr>
+        <p:spPr>
+          <a:xfrm>
+            <a:off x="7879890" y="2941183"/>
+            <a:ext cx="646331" cy="369332"/>
+          </a:xfrm>
+          <a:prstGeom prst="rect">
+            <a:avLst/>
+          </a:prstGeom>
+          <a:noFill/>
+        </p:spPr>
+        <p:txBody>
+          <a:bodyPr wrap="none" rtlCol="0">
+            <a:spAutoFit/>
+          </a:bodyPr>
+          <a:lstStyle/>
+          <a:p>
+            <a:r>
+              <a:rPr lang="ko-KR" altLang="en-US" dirty="0"/>
+              <a:t>판매</a:t>
+            </a:r>
+          </a:p>
+        </p:txBody>
+      </p:sp>
+      <p:sp>
+        <p:nvSpPr>
+          <p:cNvPr id="63" name="사각형: 둥근 모서리 62">
+            <a:extLst>
+              <a:ext uri="{FF2B5EF4-FFF2-40B4-BE49-F238E27FC236}">
+                <a16:creationId xmlns:a16="http://schemas.microsoft.com/office/drawing/2014/main" id="{1B286510-2A73-99AC-15A8-51A80F01F6E3}"/>
+              </a:ext>
+            </a:extLst>
+          </p:cNvPr>
+          <p:cNvSpPr/>
+          <p:nvPr/>
+        </p:nvSpPr>
+        <p:spPr>
+          <a:xfrm>
+            <a:off x="5116769" y="2664187"/>
+            <a:ext cx="1194815" cy="646329"/>
+          </a:xfrm>
+          <a:prstGeom prst="roundRect">
+            <a:avLst/>
+          </a:prstGeom>
+          <a:ln/>
+        </p:spPr>
+        <p:style>
+          <a:lnRef idx="3">
+            <a:schemeClr val="lt1"/>
+          </a:lnRef>
+          <a:fillRef idx="1">
+            <a:schemeClr val="accent2"/>
+          </a:fillRef>
+          <a:effectRef idx="1">
+            <a:schemeClr val="accent2"/>
+          </a:effectRef>
+          <a:fontRef idx="minor">
+            <a:schemeClr val="lt1"/>
+          </a:fontRef>
+        </p:style>
+        <p:txBody>
+          <a:bodyPr rtlCol="0" anchor="ctr"/>
+          <a:lstStyle/>
+          <a:p>
+            <a:pPr algn="ctr"/>
+            <a:r>
+              <a:rPr lang="en-US" altLang="ko-KR" dirty="0"/>
+              <a:t>C</a:t>
+            </a:r>
+            <a:r>
+              <a:rPr lang="ko-KR" altLang="en-US" dirty="0"/>
+              <a:t>브랜드</a:t>
+            </a:r>
+            <a:endParaRPr lang="en-US" altLang="ko-KR" dirty="0"/>
+          </a:p>
+          <a:p>
+            <a:pPr algn="ctr"/>
+            <a:r>
+              <a:rPr lang="ko-KR" altLang="en-US" dirty="0"/>
+              <a:t>리테일</a:t>
+            </a:r>
+          </a:p>
+        </p:txBody>
+      </p:sp>
+      <p:sp>
+        <p:nvSpPr>
+          <p:cNvPr id="64" name="사각형: 둥근 모서리 63">
+            <a:extLst>
+              <a:ext uri="{FF2B5EF4-FFF2-40B4-BE49-F238E27FC236}">
+                <a16:creationId xmlns:a16="http://schemas.microsoft.com/office/drawing/2014/main" id="{569A8C03-5D7F-59C7-9EFF-6E8E90DB8EBB}"/>
+              </a:ext>
+            </a:extLst>
+          </p:cNvPr>
+          <p:cNvSpPr/>
+          <p:nvPr/>
+        </p:nvSpPr>
+        <p:spPr>
+          <a:xfrm>
+            <a:off x="3475085" y="2664187"/>
+            <a:ext cx="1109097" cy="646329"/>
+          </a:xfrm>
+          <a:prstGeom prst="roundRect">
+            <a:avLst/>
+          </a:prstGeom>
+          <a:ln/>
+        </p:spPr>
+        <p:style>
+          <a:lnRef idx="3">
+            <a:schemeClr val="lt1"/>
+          </a:lnRef>
+          <a:fillRef idx="1">
+            <a:schemeClr val="accent2"/>
+          </a:fillRef>
+          <a:effectRef idx="1">
+            <a:schemeClr val="accent2"/>
+          </a:effectRef>
+          <a:fontRef idx="minor">
+            <a:schemeClr val="lt1"/>
+          </a:fontRef>
+        </p:style>
+        <p:txBody>
+          <a:bodyPr rtlCol="0" anchor="ctr"/>
+          <a:lstStyle/>
+          <a:p>
+            <a:pPr algn="ctr"/>
+            <a:r>
+              <a:rPr lang="en-US" altLang="ko-KR" dirty="0"/>
+              <a:t>B</a:t>
+            </a:r>
+            <a:r>
+              <a:rPr lang="ko-KR" altLang="en-US" dirty="0"/>
+              <a:t>브랜드</a:t>
+            </a:r>
+            <a:endParaRPr lang="en-US" altLang="ko-KR" dirty="0"/>
+          </a:p>
+          <a:p>
+            <a:pPr algn="ctr"/>
+            <a:r>
+              <a:rPr lang="ko-KR" altLang="en-US" dirty="0" err="1"/>
+              <a:t>판매사</a:t>
+            </a:r>
+            <a:endParaRPr lang="ko-KR" altLang="en-US" dirty="0"/>
+          </a:p>
+        </p:txBody>
+      </p:sp>
+      <p:sp>
+        <p:nvSpPr>
+          <p:cNvPr id="65" name="사각형: 둥근 모서리 64">
+            <a:extLst>
+              <a:ext uri="{FF2B5EF4-FFF2-40B4-BE49-F238E27FC236}">
+                <a16:creationId xmlns:a16="http://schemas.microsoft.com/office/drawing/2014/main" id="{8F2299EB-4B4D-69DC-0A14-8CD1DBA00F3D}"/>
+              </a:ext>
+            </a:extLst>
+          </p:cNvPr>
+          <p:cNvSpPr/>
+          <p:nvPr/>
+        </p:nvSpPr>
+        <p:spPr>
+          <a:xfrm>
+            <a:off x="1827786" y="2664186"/>
+            <a:ext cx="1109097" cy="646329"/>
+          </a:xfrm>
+          <a:prstGeom prst="roundRect">
+            <a:avLst/>
+          </a:prstGeom>
+          <a:ln/>
+        </p:spPr>
+        <p:style>
+          <a:lnRef idx="3">
+            <a:schemeClr val="lt1"/>
+          </a:lnRef>
+          <a:fillRef idx="1">
+            <a:schemeClr val="accent2"/>
+          </a:fillRef>
+          <a:effectRef idx="1">
+            <a:schemeClr val="accent2"/>
+          </a:effectRef>
+          <a:fontRef idx="minor">
+            <a:schemeClr val="lt1"/>
+          </a:fontRef>
+        </p:style>
+        <p:txBody>
+          <a:bodyPr rtlCol="0" anchor="ctr"/>
+          <a:lstStyle/>
+          <a:p>
+            <a:pPr algn="ctr"/>
+            <a:r>
+              <a:rPr lang="en-US" altLang="ko-KR" dirty="0"/>
+              <a:t>A</a:t>
+            </a:r>
+            <a:r>
+              <a:rPr lang="ko-KR" altLang="en-US" dirty="0"/>
+              <a:t>브랜드</a:t>
+            </a:r>
+            <a:endParaRPr lang="en-US" altLang="ko-KR" dirty="0"/>
+          </a:p>
+          <a:p>
+            <a:pPr algn="ctr"/>
+            <a:r>
+              <a:rPr lang="ko-KR" altLang="en-US" dirty="0" err="1"/>
+              <a:t>판매사</a:t>
+            </a:r>
+            <a:endParaRPr lang="ko-KR" altLang="en-US" dirty="0"/>
+          </a:p>
+        </p:txBody>
+      </p:sp>
+      <p:sp>
+        <p:nvSpPr>
+          <p:cNvPr id="66" name="사각형: 둥근 모서리 65">
+            <a:extLst>
+              <a:ext uri="{FF2B5EF4-FFF2-40B4-BE49-F238E27FC236}">
+                <a16:creationId xmlns:a16="http://schemas.microsoft.com/office/drawing/2014/main" id="{E8AA8512-0017-F600-F75B-CF14D3AD97B9}"/>
+              </a:ext>
+            </a:extLst>
+          </p:cNvPr>
+          <p:cNvSpPr/>
+          <p:nvPr/>
+        </p:nvSpPr>
+        <p:spPr>
+          <a:xfrm>
+            <a:off x="3328352" y="896200"/>
+            <a:ext cx="1433534" cy="646329"/>
+          </a:xfrm>
+          <a:prstGeom prst="roundRect">
+            <a:avLst/>
+          </a:prstGeom>
+          <a:solidFill>
+            <a:schemeClr val="accent5"/>
+          </a:solidFill>
+          <a:ln>
+            <a:noFill/>
+          </a:ln>
+        </p:spPr>
+        <p:style>
+          <a:lnRef idx="0">
+            <a:scrgbClr r="0" g="0" b="0"/>
+          </a:lnRef>
+          <a:fillRef idx="0">
+            <a:scrgbClr r="0" g="0" b="0"/>
+          </a:fillRef>
+          <a:effectRef idx="0">
+            <a:scrgbClr r="0" g="0" b="0"/>
+          </a:effectRef>
+          <a:fontRef idx="minor">
+            <a:schemeClr val="lt1"/>
+          </a:fontRef>
+        </p:style>
+        <p:txBody>
+          <a:bodyPr rtlCol="0" anchor="ctr"/>
+          <a:lstStyle/>
+          <a:p>
+            <a:pPr algn="ctr"/>
+            <a:r>
+              <a:rPr lang="en-US" altLang="ko-KR" dirty="0"/>
+              <a:t>OEM/ODM</a:t>
+            </a:r>
+          </a:p>
+          <a:p>
+            <a:pPr algn="ctr"/>
+            <a:r>
+              <a:rPr lang="ko-KR" altLang="en-US" dirty="0"/>
+              <a:t>생산자</a:t>
+            </a:r>
+          </a:p>
+        </p:txBody>
+      </p:sp>
+      <p:cxnSp>
+        <p:nvCxnSpPr>
+          <p:cNvPr id="69" name="직선 화살표 연결선 68">
+            <a:extLst>
+              <a:ext uri="{FF2B5EF4-FFF2-40B4-BE49-F238E27FC236}">
+                <a16:creationId xmlns:a16="http://schemas.microsoft.com/office/drawing/2014/main" id="{5F9AFAC8-65B2-3052-FBA5-CCB2D3FC7995}"/>
+              </a:ext>
+            </a:extLst>
+          </p:cNvPr>
+          <p:cNvCxnSpPr/>
+          <p:nvPr/>
+        </p:nvCxnSpPr>
+        <p:spPr>
+          <a:xfrm flipV="1">
+            <a:off x="4029633" y="1609344"/>
+            <a:ext cx="0" cy="994867"/>
+          </a:xfrm>
+          <a:prstGeom prst="straightConnector1">
+            <a:avLst/>
+          </a:prstGeom>
+          <a:ln>
+            <a:tailEnd type="triangle"/>
+          </a:ln>
+        </p:spPr>
+        <p:style>
+          <a:lnRef idx="1">
+            <a:schemeClr val="accent1"/>
+          </a:lnRef>
+          <a:fillRef idx="0">
+            <a:schemeClr val="accent1"/>
+          </a:fillRef>
+          <a:effectRef idx="0">
+            <a:schemeClr val="accent1"/>
+          </a:effectRef>
+          <a:fontRef idx="minor">
+            <a:schemeClr val="tx1"/>
+          </a:fontRef>
+        </p:style>
+      </p:cxnSp>
+      <p:cxnSp>
+        <p:nvCxnSpPr>
+          <p:cNvPr id="70" name="직선 화살표 연결선 69">
+            <a:extLst>
+              <a:ext uri="{FF2B5EF4-FFF2-40B4-BE49-F238E27FC236}">
+                <a16:creationId xmlns:a16="http://schemas.microsoft.com/office/drawing/2014/main" id="{24CBCEE2-2905-1812-0660-6F369A3FBB39}"/>
+              </a:ext>
+            </a:extLst>
+          </p:cNvPr>
+          <p:cNvCxnSpPr>
+            <a:cxnSpLocks/>
+          </p:cNvCxnSpPr>
+          <p:nvPr/>
+        </p:nvCxnSpPr>
+        <p:spPr>
+          <a:xfrm flipV="1">
+            <a:off x="4029633" y="3360709"/>
+            <a:ext cx="0" cy="1116193"/>
+          </a:xfrm>
+          <a:prstGeom prst="straightConnector1">
+            <a:avLst/>
+          </a:prstGeom>
+          <a:ln>
+            <a:tailEnd type="triangle"/>
+          </a:ln>
+        </p:spPr>
+        <p:style>
+          <a:lnRef idx="1">
+            <a:schemeClr val="accent1"/>
+          </a:lnRef>
+          <a:fillRef idx="0">
+            <a:schemeClr val="accent1"/>
+          </a:fillRef>
+          <a:effectRef idx="0">
+            <a:schemeClr val="accent1"/>
+          </a:effectRef>
+          <a:fontRef idx="minor">
+            <a:schemeClr val="tx1"/>
+          </a:fontRef>
+        </p:style>
+      </p:cxnSp>
+      <p:sp>
+        <p:nvSpPr>
+          <p:cNvPr id="71" name="TextBox 70">
+            <a:extLst>
+              <a:ext uri="{FF2B5EF4-FFF2-40B4-BE49-F238E27FC236}">
+                <a16:creationId xmlns:a16="http://schemas.microsoft.com/office/drawing/2014/main" id="{1F90BD7D-4012-544A-0930-A052C11B70FE}"/>
+              </a:ext>
+            </a:extLst>
+          </p:cNvPr>
+          <p:cNvSpPr txBox="1"/>
+          <p:nvPr/>
+        </p:nvSpPr>
+        <p:spPr>
+          <a:xfrm>
+            <a:off x="4100979" y="3799213"/>
+            <a:ext cx="646331" cy="369332"/>
+          </a:xfrm>
+          <a:prstGeom prst="rect">
+            <a:avLst/>
+          </a:prstGeom>
+          <a:noFill/>
+        </p:spPr>
+        <p:txBody>
+          <a:bodyPr wrap="none" rtlCol="0">
+            <a:spAutoFit/>
+          </a:bodyPr>
+          <a:lstStyle/>
+          <a:p>
+            <a:r>
+              <a:rPr lang="ko-KR" altLang="en-US" dirty="0"/>
+              <a:t>주문</a:t>
+            </a:r>
+          </a:p>
+        </p:txBody>
+      </p:sp>
+      <p:sp>
+        <p:nvSpPr>
+          <p:cNvPr id="72" name="TextBox 71">
+            <a:extLst>
+              <a:ext uri="{FF2B5EF4-FFF2-40B4-BE49-F238E27FC236}">
+                <a16:creationId xmlns:a16="http://schemas.microsoft.com/office/drawing/2014/main" id="{6D1391E0-E525-C134-EEEE-D5BDB146287C}"/>
+              </a:ext>
+            </a:extLst>
+          </p:cNvPr>
+          <p:cNvSpPr txBox="1"/>
+          <p:nvPr/>
+        </p:nvSpPr>
+        <p:spPr>
+          <a:xfrm>
+            <a:off x="4014479" y="1856211"/>
+            <a:ext cx="646331" cy="369332"/>
+          </a:xfrm>
+          <a:prstGeom prst="rect">
+            <a:avLst/>
+          </a:prstGeom>
+          <a:noFill/>
+        </p:spPr>
+        <p:txBody>
+          <a:bodyPr wrap="none" rtlCol="0">
+            <a:spAutoFit/>
+          </a:bodyPr>
+          <a:lstStyle/>
+          <a:p>
+            <a:r>
+              <a:rPr lang="ko-KR" altLang="en-US" dirty="0"/>
+              <a:t>주문</a:t>
+            </a:r>
+          </a:p>
+        </p:txBody>
+      </p:sp>
+      <p:cxnSp>
+        <p:nvCxnSpPr>
+          <p:cNvPr id="87" name="직선 화살표 연결선 86">
+            <a:extLst>
+              <a:ext uri="{FF2B5EF4-FFF2-40B4-BE49-F238E27FC236}">
+                <a16:creationId xmlns:a16="http://schemas.microsoft.com/office/drawing/2014/main" id="{D0993649-ED1A-1FA5-668C-3DFE579E6672}"/>
+              </a:ext>
+            </a:extLst>
+          </p:cNvPr>
+          <p:cNvCxnSpPr>
+            <a:cxnSpLocks/>
+            <a:endCxn id="102" idx="4"/>
+          </p:cNvCxnSpPr>
+          <p:nvPr/>
+        </p:nvCxnSpPr>
+        <p:spPr>
+          <a:xfrm flipH="1" flipV="1">
+            <a:off x="4029633" y="5130654"/>
+            <a:ext cx="6380" cy="202127"/>
+          </a:xfrm>
+          <a:prstGeom prst="straightConnector1">
+            <a:avLst/>
+          </a:prstGeom>
+          <a:ln>
+            <a:tailEnd type="triangle"/>
+          </a:ln>
+        </p:spPr>
+        <p:style>
+          <a:lnRef idx="1">
+            <a:schemeClr val="accent1"/>
+          </a:lnRef>
+          <a:fillRef idx="0">
+            <a:schemeClr val="accent1"/>
+          </a:fillRef>
+          <a:effectRef idx="0">
+            <a:schemeClr val="accent1"/>
+          </a:effectRef>
+          <a:fontRef idx="minor">
+            <a:schemeClr val="tx1"/>
+          </a:fontRef>
+        </p:style>
+      </p:cxnSp>
+      <p:cxnSp>
+        <p:nvCxnSpPr>
+          <p:cNvPr id="89" name="직선 연결선 88">
+            <a:extLst>
+              <a:ext uri="{FF2B5EF4-FFF2-40B4-BE49-F238E27FC236}">
+                <a16:creationId xmlns:a16="http://schemas.microsoft.com/office/drawing/2014/main" id="{32EB3EDB-4AFD-6B7B-C54D-B7401E827AE0}"/>
+              </a:ext>
+            </a:extLst>
+          </p:cNvPr>
+          <p:cNvCxnSpPr/>
+          <p:nvPr/>
+        </p:nvCxnSpPr>
+        <p:spPr>
+          <a:xfrm flipH="1">
+            <a:off x="1319391" y="5332781"/>
+            <a:ext cx="2716622" cy="0"/>
+          </a:xfrm>
+          <a:prstGeom prst="line">
+            <a:avLst/>
+          </a:prstGeom>
+        </p:spPr>
+        <p:style>
+          <a:lnRef idx="1">
+            <a:schemeClr val="accent1"/>
+          </a:lnRef>
+          <a:fillRef idx="0">
+            <a:schemeClr val="accent1"/>
+          </a:fillRef>
+          <a:effectRef idx="0">
+            <a:schemeClr val="accent1"/>
+          </a:effectRef>
+          <a:fontRef idx="minor">
+            <a:schemeClr val="tx1"/>
+          </a:fontRef>
+        </p:style>
+      </p:cxnSp>
+      <p:cxnSp>
+        <p:nvCxnSpPr>
+          <p:cNvPr id="91" name="직선 연결선 90">
+            <a:extLst>
+              <a:ext uri="{FF2B5EF4-FFF2-40B4-BE49-F238E27FC236}">
+                <a16:creationId xmlns:a16="http://schemas.microsoft.com/office/drawing/2014/main" id="{D3E164B5-6167-42EF-EAF8-686949473C3C}"/>
+              </a:ext>
+            </a:extLst>
+          </p:cNvPr>
+          <p:cNvCxnSpPr/>
+          <p:nvPr/>
+        </p:nvCxnSpPr>
+        <p:spPr>
+          <a:xfrm>
+            <a:off x="1319391" y="4824825"/>
+            <a:ext cx="0" cy="507956"/>
+          </a:xfrm>
+          <a:prstGeom prst="line">
+            <a:avLst/>
+          </a:prstGeom>
+        </p:spPr>
+        <p:style>
+          <a:lnRef idx="1">
+            <a:schemeClr val="accent1"/>
+          </a:lnRef>
+          <a:fillRef idx="0">
+            <a:schemeClr val="accent1"/>
+          </a:fillRef>
+          <a:effectRef idx="0">
+            <a:schemeClr val="accent1"/>
+          </a:effectRef>
+          <a:fontRef idx="minor">
+            <a:schemeClr val="tx1"/>
+          </a:fontRef>
+        </p:style>
+      </p:cxnSp>
+      <p:sp>
+        <p:nvSpPr>
+          <p:cNvPr id="93" name="사각형: 둥근 모서리 92">
+            <a:extLst>
+              <a:ext uri="{FF2B5EF4-FFF2-40B4-BE49-F238E27FC236}">
+                <a16:creationId xmlns:a16="http://schemas.microsoft.com/office/drawing/2014/main" id="{F6A699C1-9EDD-82CC-903B-6E3721A0D2BE}"/>
+              </a:ext>
+            </a:extLst>
+          </p:cNvPr>
+          <p:cNvSpPr/>
+          <p:nvPr/>
+        </p:nvSpPr>
+        <p:spPr>
+          <a:xfrm>
+            <a:off x="5860357" y="896199"/>
+            <a:ext cx="1014305" cy="646329"/>
+          </a:xfrm>
+          <a:prstGeom prst="roundRect">
+            <a:avLst/>
+          </a:prstGeom>
+          <a:solidFill>
+            <a:schemeClr val="accent5"/>
+          </a:solidFill>
+          <a:ln>
+            <a:noFill/>
+          </a:ln>
+        </p:spPr>
+        <p:style>
+          <a:lnRef idx="0">
+            <a:scrgbClr r="0" g="0" b="0"/>
+          </a:lnRef>
+          <a:fillRef idx="0">
+            <a:scrgbClr r="0" g="0" b="0"/>
+          </a:fillRef>
+          <a:effectRef idx="0">
+            <a:scrgbClr r="0" g="0" b="0"/>
+          </a:effectRef>
+          <a:fontRef idx="minor">
+            <a:schemeClr val="lt1"/>
+          </a:fontRef>
+        </p:style>
+        <p:txBody>
+          <a:bodyPr rtlCol="0" anchor="ctr"/>
+          <a:lstStyle/>
+          <a:p>
+            <a:pPr algn="ctr"/>
+            <a:r>
+              <a:rPr lang="ko-KR" altLang="en-US" dirty="0"/>
+              <a:t>자체</a:t>
+            </a:r>
+            <a:endParaRPr lang="en-US" altLang="ko-KR" dirty="0"/>
+          </a:p>
+          <a:p>
+            <a:pPr algn="ctr"/>
+            <a:r>
+              <a:rPr lang="ko-KR" altLang="en-US" dirty="0"/>
+              <a:t>브랜드</a:t>
+            </a:r>
+          </a:p>
+        </p:txBody>
+      </p:sp>
+      <p:cxnSp>
+        <p:nvCxnSpPr>
+          <p:cNvPr id="98" name="직선 연결선 97">
+            <a:extLst>
+              <a:ext uri="{FF2B5EF4-FFF2-40B4-BE49-F238E27FC236}">
+                <a16:creationId xmlns:a16="http://schemas.microsoft.com/office/drawing/2014/main" id="{AEF7E634-65F4-5BF3-4DB8-C6410AD07EFB}"/>
+              </a:ext>
+            </a:extLst>
+          </p:cNvPr>
+          <p:cNvCxnSpPr>
+            <a:cxnSpLocks/>
+          </p:cNvCxnSpPr>
+          <p:nvPr/>
+        </p:nvCxnSpPr>
+        <p:spPr>
+          <a:xfrm>
+            <a:off x="4924157" y="1227344"/>
+            <a:ext cx="781697" cy="0"/>
+          </a:xfrm>
+          <a:prstGeom prst="line">
+            <a:avLst/>
+          </a:prstGeom>
+        </p:spPr>
+        <p:style>
+          <a:lnRef idx="1">
+            <a:schemeClr val="accent1"/>
+          </a:lnRef>
+          <a:fillRef idx="0">
+            <a:schemeClr val="accent1"/>
+          </a:fillRef>
+          <a:effectRef idx="0">
+            <a:schemeClr val="accent1"/>
+          </a:effectRef>
+          <a:fontRef idx="minor">
+            <a:schemeClr val="tx1"/>
+          </a:fontRef>
+        </p:style>
+      </p:cxnSp>
+      <p:sp>
+        <p:nvSpPr>
+          <p:cNvPr id="102" name="타원 101">
+            <a:extLst>
+              <a:ext uri="{FF2B5EF4-FFF2-40B4-BE49-F238E27FC236}">
+                <a16:creationId xmlns:a16="http://schemas.microsoft.com/office/drawing/2014/main" id="{D9A05105-97DA-C9D3-BA31-9A4BB5FF17B4}"/>
+              </a:ext>
+            </a:extLst>
+          </p:cNvPr>
+          <p:cNvSpPr/>
+          <p:nvPr/>
+        </p:nvSpPr>
+        <p:spPr>
+          <a:xfrm>
+            <a:off x="3608759" y="4589420"/>
+            <a:ext cx="841747" cy="541234"/>
+          </a:xfrm>
+          <a:prstGeom prst="ellipse">
+            <a:avLst/>
+          </a:prstGeom>
+        </p:spPr>
+        <p:style>
+          <a:lnRef idx="3">
+            <a:schemeClr val="lt1"/>
+          </a:lnRef>
+          <a:fillRef idx="1">
+            <a:schemeClr val="accent6"/>
+          </a:fillRef>
+          <a:effectRef idx="1">
+            <a:schemeClr val="accent6"/>
+          </a:effectRef>
+          <a:fontRef idx="minor">
+            <a:schemeClr val="lt1"/>
+          </a:fontRef>
+        </p:style>
+        <p:txBody>
+          <a:bodyPr rtlCol="0" anchor="ctr"/>
+          <a:lstStyle/>
+          <a:p>
+            <a:pPr algn="ctr"/>
+            <a:r>
+              <a:rPr lang="ko-KR" altLang="en-US" sz="1600" dirty="0"/>
+              <a:t>고객</a:t>
+            </a:r>
+          </a:p>
+        </p:txBody>
+      </p:sp>
+      <p:sp>
+        <p:nvSpPr>
+          <p:cNvPr id="103" name="타원 102">
+            <a:extLst>
+              <a:ext uri="{FF2B5EF4-FFF2-40B4-BE49-F238E27FC236}">
+                <a16:creationId xmlns:a16="http://schemas.microsoft.com/office/drawing/2014/main" id="{0DD954D0-DBAE-CD37-4C08-23CA68818B10}"/>
+              </a:ext>
+            </a:extLst>
+          </p:cNvPr>
+          <p:cNvSpPr/>
+          <p:nvPr/>
+        </p:nvSpPr>
+        <p:spPr>
+          <a:xfrm>
+            <a:off x="5283309" y="4589420"/>
+            <a:ext cx="841747" cy="541234"/>
+          </a:xfrm>
+          <a:prstGeom prst="ellipse">
+            <a:avLst/>
+          </a:prstGeom>
+        </p:spPr>
+        <p:style>
+          <a:lnRef idx="3">
+            <a:schemeClr val="lt1"/>
+          </a:lnRef>
+          <a:fillRef idx="1">
+            <a:schemeClr val="accent6"/>
+          </a:fillRef>
+          <a:effectRef idx="1">
+            <a:schemeClr val="accent6"/>
+          </a:effectRef>
+          <a:fontRef idx="minor">
+            <a:schemeClr val="lt1"/>
+          </a:fontRef>
+        </p:style>
+        <p:txBody>
+          <a:bodyPr rtlCol="0" anchor="ctr"/>
+          <a:lstStyle/>
+          <a:p>
+            <a:pPr algn="ctr"/>
+            <a:r>
+              <a:rPr lang="ko-KR" altLang="en-US" sz="1600" dirty="0"/>
+              <a:t>고객</a:t>
+            </a:r>
+          </a:p>
+        </p:txBody>
+      </p:sp>
+      <p:sp>
+        <p:nvSpPr>
+          <p:cNvPr id="104" name="타원 103">
+            <a:extLst>
+              <a:ext uri="{FF2B5EF4-FFF2-40B4-BE49-F238E27FC236}">
+                <a16:creationId xmlns:a16="http://schemas.microsoft.com/office/drawing/2014/main" id="{0BBAEEC7-BF2A-8488-069C-4A54CFA94BD5}"/>
+              </a:ext>
+            </a:extLst>
+          </p:cNvPr>
+          <p:cNvSpPr/>
+          <p:nvPr/>
+        </p:nvSpPr>
+        <p:spPr>
+          <a:xfrm>
+            <a:off x="6611669" y="4577694"/>
+            <a:ext cx="841747" cy="541234"/>
+          </a:xfrm>
+          <a:prstGeom prst="ellipse">
+            <a:avLst/>
+          </a:prstGeom>
+        </p:spPr>
+        <p:style>
+          <a:lnRef idx="3">
+            <a:schemeClr val="lt1"/>
+          </a:lnRef>
+          <a:fillRef idx="1">
+            <a:schemeClr val="accent6"/>
+          </a:fillRef>
+          <a:effectRef idx="1">
+            <a:schemeClr val="accent6"/>
+          </a:effectRef>
+          <a:fontRef idx="minor">
+            <a:schemeClr val="lt1"/>
+          </a:fontRef>
+        </p:style>
+        <p:txBody>
+          <a:bodyPr rtlCol="0" anchor="ctr"/>
+          <a:lstStyle/>
+          <a:p>
+            <a:pPr algn="ctr"/>
+            <a:r>
+              <a:rPr lang="ko-KR" altLang="en-US" sz="1600" dirty="0"/>
+              <a:t>고객</a:t>
+            </a:r>
+          </a:p>
+        </p:txBody>
+      </p:sp>
+      <p:sp>
+        <p:nvSpPr>
+          <p:cNvPr id="108" name="TextBox 107">
+            <a:extLst>
+              <a:ext uri="{FF2B5EF4-FFF2-40B4-BE49-F238E27FC236}">
+                <a16:creationId xmlns:a16="http://schemas.microsoft.com/office/drawing/2014/main" id="{07EB41AD-B98D-FE45-4507-0F82CD20E707}"/>
+              </a:ext>
+            </a:extLst>
+          </p:cNvPr>
+          <p:cNvSpPr txBox="1"/>
+          <p:nvPr/>
+        </p:nvSpPr>
+        <p:spPr>
+          <a:xfrm>
+            <a:off x="8647699" y="984411"/>
+            <a:ext cx="2997538" cy="2462213"/>
+          </a:xfrm>
+          <a:prstGeom prst="rect">
+            <a:avLst/>
+          </a:prstGeom>
+          <a:noFill/>
+        </p:spPr>
+        <p:txBody>
+          <a:bodyPr wrap="square" rtlCol="0">
+            <a:spAutoFit/>
+          </a:bodyPr>
+          <a:lstStyle/>
+          <a:p>
+            <a:r>
+              <a:rPr lang="ko-KR" altLang="en-US" sz="1100" dirty="0"/>
+              <a:t>㈜</a:t>
+            </a:r>
+            <a:r>
+              <a:rPr lang="ko-KR" altLang="en-US" sz="1100" dirty="0" err="1"/>
+              <a:t>에뜨왈은</a:t>
+            </a:r>
+            <a:r>
+              <a:rPr lang="ko-KR" altLang="en-US" sz="1100" dirty="0"/>
+              <a:t> 원두커피 생산업체로서 도매 납품을 전문으로 하고 있습니다</a:t>
+            </a:r>
+            <a:r>
+              <a:rPr lang="en-US" altLang="ko-KR" sz="1100" dirty="0"/>
+              <a:t>.</a:t>
+            </a:r>
+          </a:p>
+          <a:p>
+            <a:r>
+              <a:rPr lang="ko-KR" altLang="en-US" sz="1100" dirty="0"/>
+              <a:t>자체 브랜드 </a:t>
+            </a:r>
+            <a:r>
+              <a:rPr lang="en-US" altLang="ko-KR" sz="1100" dirty="0"/>
+              <a:t>‘</a:t>
+            </a:r>
+            <a:r>
+              <a:rPr lang="ko-KR" altLang="en-US" sz="1100" dirty="0" err="1"/>
+              <a:t>에뜨왈</a:t>
+            </a:r>
+            <a:r>
+              <a:rPr lang="en-US" altLang="ko-KR" sz="1100" dirty="0"/>
+              <a:t>’</a:t>
+            </a:r>
+            <a:r>
+              <a:rPr lang="ko-KR" altLang="en-US" sz="1100" dirty="0"/>
+              <a:t>을 통해 여러 카페와 일반 고객에게 판매됩니다</a:t>
+            </a:r>
+            <a:r>
+              <a:rPr lang="en-US" altLang="ko-KR" sz="1100" dirty="0"/>
+              <a:t>.</a:t>
+            </a:r>
+          </a:p>
+          <a:p>
+            <a:r>
+              <a:rPr lang="ko-KR" altLang="en-US" sz="1100" dirty="0"/>
+              <a:t>또한 위탁생산 및 배송서비스로 다양한 브랜드와 </a:t>
+            </a:r>
+            <a:r>
+              <a:rPr lang="ko-KR" altLang="en-US" sz="1100" dirty="0" err="1"/>
+              <a:t>프렌차이즈</a:t>
+            </a:r>
+            <a:r>
+              <a:rPr lang="ko-KR" altLang="en-US" sz="1100" dirty="0"/>
+              <a:t> 카페를 통해 제품을 유통하고 있습니다</a:t>
+            </a:r>
+            <a:r>
+              <a:rPr lang="en-US" altLang="ko-KR" sz="1100" dirty="0"/>
+              <a:t>.</a:t>
+            </a:r>
+            <a:r>
+              <a:rPr lang="ko-KR" altLang="en-US" sz="1100" dirty="0"/>
+              <a:t> </a:t>
+            </a:r>
+            <a:endParaRPr lang="en-US" altLang="ko-KR" sz="1100" dirty="0"/>
+          </a:p>
+          <a:p>
+            <a:endParaRPr lang="en-US" altLang="ko-KR" sz="1100" dirty="0"/>
+          </a:p>
+          <a:p>
+            <a:r>
+              <a:rPr lang="ko-KR" altLang="en-US" sz="1100" dirty="0"/>
+              <a:t>같은 원산지의 </a:t>
+            </a:r>
+            <a:r>
+              <a:rPr lang="ko-KR" altLang="en-US" sz="1100" dirty="0" err="1"/>
+              <a:t>커피더라도</a:t>
+            </a:r>
+            <a:r>
+              <a:rPr lang="ko-KR" altLang="en-US" sz="1100" dirty="0"/>
+              <a:t> 고객의 요구에 따라 볶음정도와</a:t>
+            </a:r>
+            <a:r>
+              <a:rPr lang="en-US" altLang="ko-KR" sz="1100" dirty="0"/>
+              <a:t> </a:t>
+            </a:r>
+            <a:r>
+              <a:rPr lang="ko-KR" altLang="en-US" sz="1100" dirty="0"/>
+              <a:t>브랜드</a:t>
+            </a:r>
+            <a:r>
+              <a:rPr lang="en-US" altLang="ko-KR" sz="1100" dirty="0"/>
+              <a:t>, </a:t>
+            </a:r>
+            <a:r>
+              <a:rPr lang="ko-KR" altLang="en-US" sz="1100" dirty="0"/>
+              <a:t>용량</a:t>
+            </a:r>
+            <a:r>
+              <a:rPr lang="en-US" altLang="ko-KR" sz="1100" dirty="0"/>
+              <a:t>, </a:t>
+            </a:r>
+            <a:r>
+              <a:rPr lang="ko-KR" altLang="en-US" sz="1100" dirty="0"/>
+              <a:t>포장방법</a:t>
+            </a:r>
+            <a:r>
+              <a:rPr lang="en-US" altLang="ko-KR" sz="1100" dirty="0"/>
+              <a:t>, </a:t>
+            </a:r>
+            <a:r>
+              <a:rPr lang="ko-KR" altLang="en-US" sz="1100" dirty="0"/>
+              <a:t>가격 등이 달라지며 경우의 수는 기하급수적으로 늘어납니다</a:t>
+            </a:r>
+            <a:r>
+              <a:rPr lang="en-US" altLang="ko-KR" sz="1100" dirty="0"/>
+              <a:t>.</a:t>
+            </a:r>
+          </a:p>
+          <a:p>
+            <a:r>
+              <a:rPr lang="ko-KR" altLang="en-US" sz="1100" dirty="0"/>
+              <a:t>이는 생산근무자 및 관리자의 업무를 비효율적으로 </a:t>
+            </a:r>
+            <a:r>
+              <a:rPr lang="ko-KR" altLang="en-US" sz="1100" dirty="0" err="1"/>
+              <a:t>만드며</a:t>
+            </a:r>
+            <a:r>
+              <a:rPr lang="ko-KR" altLang="en-US" sz="1100" dirty="0"/>
+              <a:t> </a:t>
+            </a:r>
+            <a:r>
+              <a:rPr lang="ko-KR" altLang="en-US" sz="1100" dirty="0" err="1"/>
+              <a:t>오배송률을</a:t>
+            </a:r>
+            <a:r>
+              <a:rPr lang="ko-KR" altLang="en-US" sz="1100" dirty="0"/>
+              <a:t> 높이게 됩니다</a:t>
+            </a:r>
+            <a:r>
+              <a:rPr lang="en-US" altLang="ko-KR" sz="1100" dirty="0"/>
+              <a:t>.</a:t>
+            </a:r>
+          </a:p>
+        </p:txBody>
+      </p:sp>
+      <p:sp>
+        <p:nvSpPr>
+          <p:cNvPr id="109" name="TextBox 108">
+            <a:extLst>
+              <a:ext uri="{FF2B5EF4-FFF2-40B4-BE49-F238E27FC236}">
+                <a16:creationId xmlns:a16="http://schemas.microsoft.com/office/drawing/2014/main" id="{A2000D3A-0AFE-AC64-C37B-F6C5A52234EE}"/>
+              </a:ext>
+            </a:extLst>
+          </p:cNvPr>
+          <p:cNvSpPr txBox="1"/>
+          <p:nvPr/>
+        </p:nvSpPr>
+        <p:spPr>
+          <a:xfrm>
+            <a:off x="8670540" y="3685142"/>
+            <a:ext cx="2997538" cy="1954381"/>
+          </a:xfrm>
+          <a:prstGeom prst="rect">
+            <a:avLst/>
+          </a:prstGeom>
+          <a:noFill/>
+        </p:spPr>
+        <p:txBody>
+          <a:bodyPr wrap="square" rtlCol="0">
+            <a:spAutoFit/>
+          </a:bodyPr>
+          <a:lstStyle/>
+          <a:p>
+            <a:r>
+              <a:rPr lang="en-US" altLang="ko-KR" sz="1100" dirty="0"/>
+              <a:t>Moa-Order</a:t>
+            </a:r>
+            <a:r>
+              <a:rPr lang="ko-KR" altLang="en-US" sz="1100" dirty="0"/>
+              <a:t>는 그런 </a:t>
+            </a:r>
+            <a:r>
+              <a:rPr lang="ko-KR" altLang="en-US" sz="1100" dirty="0" err="1"/>
+              <a:t>에뜨왈의</a:t>
+            </a:r>
+            <a:r>
+              <a:rPr lang="ko-KR" altLang="en-US" sz="1100" dirty="0"/>
+              <a:t> 워크플로우에 맞게 개발되었습니다</a:t>
+            </a:r>
+            <a:r>
+              <a:rPr lang="en-US" altLang="ko-KR" sz="1100" dirty="0"/>
+              <a:t>. </a:t>
+            </a:r>
+          </a:p>
+          <a:p>
+            <a:r>
+              <a:rPr lang="ko-KR" altLang="en-US" sz="1100" dirty="0"/>
+              <a:t>회원을 생산자</a:t>
+            </a:r>
+            <a:r>
+              <a:rPr lang="en-US" altLang="ko-KR" sz="1100" dirty="0"/>
+              <a:t>, </a:t>
+            </a:r>
+            <a:r>
+              <a:rPr lang="ko-KR" altLang="en-US" sz="1100" dirty="0"/>
+              <a:t>판매자</a:t>
+            </a:r>
+            <a:r>
+              <a:rPr lang="en-US" altLang="ko-KR" sz="1100" dirty="0"/>
+              <a:t>, </a:t>
+            </a:r>
+            <a:r>
+              <a:rPr lang="ko-KR" altLang="en-US" sz="1100" dirty="0"/>
+              <a:t>구매자로 나누어 모든 주문의 상세사항을 생산자가 확인하여 요구에 맞는 제품 생산 및 발송 관리를 </a:t>
+            </a:r>
+            <a:r>
+              <a:rPr lang="ko-KR" altLang="en-US" sz="1100" dirty="0" err="1"/>
+              <a:t>돕습니다</a:t>
+            </a:r>
+            <a:r>
+              <a:rPr lang="en-US" altLang="ko-KR" sz="1100" dirty="0"/>
+              <a:t>.</a:t>
+            </a:r>
+          </a:p>
+          <a:p>
+            <a:endParaRPr lang="en-US" altLang="ko-KR" sz="1100" dirty="0"/>
+          </a:p>
+          <a:p>
+            <a:r>
+              <a:rPr lang="ko-KR" altLang="en-US" sz="1100" dirty="0"/>
+              <a:t>다양한 브랜드의 제품 데이터를 생성할 수 있으며 고객별로 열람가능한 제품을 설정하여 판매계약 조건에 맞는 맞춤 설정이 가능합니다</a:t>
+            </a:r>
+            <a:r>
+              <a:rPr lang="en-US" altLang="ko-KR" sz="1100" dirty="0"/>
+              <a:t>.</a:t>
+            </a:r>
+          </a:p>
+        </p:txBody>
+      </p:sp>
+    </p:spTree>
+    <p:extLst>
+      <p:ext uri="{BB962C8B-B14F-4D97-AF65-F5344CB8AC3E}">
+        <p14:creationId xmlns:p14="http://schemas.microsoft.com/office/powerpoint/2010/main" val="2552600034"/>
+      </p:ext>
+    </p:extLst>
+  </p:cSld>
+  <p:clrMapOvr>
+    <a:masterClrMapping/>
+  </p:clrMapOvr>
+</p:sld>
+</file>
+
+<file path=ppt/slides/slide3.xml><?xml version="1.0" encoding="utf-8"?>
+<p:sld xmlns:a="http://schemas.openxmlformats.org/drawingml/2006/main" xmlns:r="http://schemas.openxmlformats.org/officeDocument/2006/relationships" xmlns:p="http://schemas.openxmlformats.org/presentationml/2006/main">
+  <p:cSld>
+    <p:spTree>
+      <p:nvGrpSpPr>
+        <p:cNvPr id="1" name=""/>
+        <p:cNvGrpSpPr/>
+        <p:nvPr/>
+      </p:nvGrpSpPr>
+      <p:grpSpPr>
+        <a:xfrm>
+          <a:off x="0" y="0"/>
+          <a:ext cx="0" cy="0"/>
+          <a:chOff x="0" y="0"/>
+          <a:chExt cx="0" cy="0"/>
+        </a:xfrm>
+      </p:grpSpPr>
+    </p:spTree>
+    <p:extLst>
+      <p:ext uri="{BB962C8B-B14F-4D97-AF65-F5344CB8AC3E}">
+        <p14:creationId xmlns:p14="http://schemas.microsoft.com/office/powerpoint/2010/main" val="2949878955"/>
+      </p:ext>
+    </p:extLst>
+  </p:cSld>
+  <p:clrMapOvr>
+    <a:masterClrMapping/>
+  </p:clrMapOvr>
+</p:sld>
+</file>
+
 <file path=ppt/theme/theme1.xml><?xml version="1.0" encoding="utf-8"?>
 <a:theme xmlns:a="http://schemas.openxmlformats.org/drawingml/2006/main" name="Office 테마">
   <a:themeElements>
